--- a/12-cloud-services.pptx
+++ b/12-cloud-services.pptx
@@ -4778,43 +4778,13 @@
               <a:rPr lang="fr-CH" dirty="0">
                 <a:ea typeface="ＭＳ Ｐゴシック" pitchFamily="34" charset="-128"/>
               </a:rPr>
-              <a:t>m and m’ </a:t>
-            </a:r>
-            <a:r>
-              <a:rPr lang="fr-CH" dirty="0" err="1">
+              <a:t>m and m’ be any two </a:t>
+            </a:r>
+            <a:r>
+              <a:rPr lang="fr-CH" dirty="0" smtClean="0">
                 <a:ea typeface="ＭＳ Ｐゴシック" pitchFamily="34" charset="-128"/>
               </a:rPr>
-              <a:t>be</a:t>
-            </a:r>
-            <a:r>
-              <a:rPr lang="fr-CH" dirty="0">
-                <a:ea typeface="ＭＳ Ｐゴシック" pitchFamily="34" charset="-128"/>
-              </a:rPr>
-              <a:t> </a:t>
-            </a:r>
-            <a:r>
-              <a:rPr lang="fr-CH" dirty="0" err="1">
-                <a:ea typeface="ＭＳ Ｐゴシック" pitchFamily="34" charset="-128"/>
-              </a:rPr>
-              <a:t>any</a:t>
-            </a:r>
-            <a:r>
-              <a:rPr lang="fr-CH" dirty="0">
-                <a:ea typeface="ＭＳ Ｐゴシック" pitchFamily="34" charset="-128"/>
-              </a:rPr>
-              <a:t> </a:t>
-            </a:r>
-            <a:r>
-              <a:rPr lang="fr-CH" dirty="0" err="1">
-                <a:ea typeface="ＭＳ Ｐゴシック" pitchFamily="34" charset="-128"/>
-              </a:rPr>
-              <a:t>two</a:t>
-            </a:r>
-            <a:r>
-              <a:rPr lang="fr-CH" dirty="0">
-                <a:ea typeface="ＭＳ Ｐゴシック" pitchFamily="34" charset="-128"/>
-              </a:rPr>
-              <a:t> messages. </a:t>
+              <a:t>messages</a:t>
             </a:r>
             <a:endParaRPr lang="fr-CH" dirty="0" smtClean="0">
               <a:ea typeface="ＭＳ Ｐゴシック" pitchFamily="34" charset="-128"/>
@@ -4829,166 +4799,19 @@
               <a:t>Let </a:t>
             </a:r>
             <a:r>
-              <a:rPr lang="fr-CH" dirty="0">
-                <a:ea typeface="ＭＳ Ｐゴシック" pitchFamily="34" charset="-128"/>
-              </a:rPr>
-              <a:t>pi </a:t>
-            </a:r>
-            <a:r>
-              <a:rPr lang="fr-CH" dirty="0" err="1">
-                <a:ea typeface="ＭＳ Ｐゴシック" pitchFamily="34" charset="-128"/>
-              </a:rPr>
-              <a:t>be</a:t>
-            </a:r>
-            <a:r>
-              <a:rPr lang="fr-CH" dirty="0">
-                <a:ea typeface="ＭＳ Ｐゴシック" pitchFamily="34" charset="-128"/>
-              </a:rPr>
-              <a:t> </a:t>
-            </a:r>
-            <a:r>
-              <a:rPr lang="fr-CH" dirty="0" err="1">
-                <a:ea typeface="ＭＳ Ｐゴシック" pitchFamily="34" charset="-128"/>
-              </a:rPr>
-              <a:t>any</a:t>
-            </a:r>
-            <a:r>
-              <a:rPr lang="fr-CH" dirty="0">
-                <a:ea typeface="ＭＳ Ｐゴシック" pitchFamily="34" charset="-128"/>
-              </a:rPr>
-              <a:t> correct </a:t>
-            </a:r>
-            <a:r>
-              <a:rPr lang="fr-CH" dirty="0" err="1">
-                <a:ea typeface="ＭＳ Ｐゴシック" pitchFamily="34" charset="-128"/>
-              </a:rPr>
-              <a:t>process</a:t>
-            </a:r>
-            <a:r>
-              <a:rPr lang="fr-CH" dirty="0">
-                <a:ea typeface="ＭＳ Ｐゴシック" pitchFamily="34" charset="-128"/>
-              </a:rPr>
-              <a:t> </a:t>
-            </a:r>
-            <a:r>
-              <a:rPr lang="fr-CH" dirty="0" err="1">
-                <a:ea typeface="ＭＳ Ｐゴシック" pitchFamily="34" charset="-128"/>
-              </a:rPr>
-              <a:t>that</a:t>
-            </a:r>
-            <a:r>
-              <a:rPr lang="fr-CH" dirty="0">
-                <a:ea typeface="ＭＳ Ｐゴシック" pitchFamily="34" charset="-128"/>
-              </a:rPr>
-              <a:t> </a:t>
-            </a:r>
-            <a:r>
-              <a:rPr lang="fr-CH" dirty="0" err="1">
-                <a:ea typeface="ＭＳ Ｐゴシック" pitchFamily="34" charset="-128"/>
-              </a:rPr>
-              <a:t>delivers</a:t>
-            </a:r>
-            <a:r>
-              <a:rPr lang="fr-CH" dirty="0">
-                <a:ea typeface="ＭＳ Ｐゴシック" pitchFamily="34" charset="-128"/>
-              </a:rPr>
-              <a:t> m </a:t>
-            </a:r>
-            <a:r>
-              <a:rPr lang="fr-CH" dirty="0" err="1">
-                <a:ea typeface="ＭＳ Ｐゴシック" pitchFamily="34" charset="-128"/>
-              </a:rPr>
-              <a:t>without</a:t>
-            </a:r>
-            <a:r>
-              <a:rPr lang="fr-CH" dirty="0">
-                <a:ea typeface="ＭＳ Ｐゴシック" pitchFamily="34" charset="-128"/>
-              </a:rPr>
-              <a:t> </a:t>
-            </a:r>
-            <a:r>
-              <a:rPr lang="fr-CH" dirty="0" err="1">
-                <a:ea typeface="ＭＳ Ｐゴシック" pitchFamily="34" charset="-128"/>
-              </a:rPr>
-              <a:t>having</a:t>
-            </a:r>
-            <a:r>
-              <a:rPr lang="fr-CH" dirty="0">
-                <a:ea typeface="ＭＳ Ｐゴシック" pitchFamily="34" charset="-128"/>
-              </a:rPr>
-              <a:t> </a:t>
-            </a:r>
-            <a:r>
-              <a:rPr lang="fr-CH" dirty="0" err="1">
-                <a:ea typeface="ＭＳ Ｐゴシック" pitchFamily="34" charset="-128"/>
-              </a:rPr>
-              <a:t>delivered</a:t>
-            </a:r>
-            <a:r>
-              <a:rPr lang="fr-CH" dirty="0">
-                <a:ea typeface="ＭＳ Ｐゴシック" pitchFamily="34" charset="-128"/>
-              </a:rPr>
-              <a:t> m’ </a:t>
-            </a:r>
-            <a:endParaRPr lang="fr-CH" dirty="0" smtClean="0">
-              <a:ea typeface="ＭＳ Ｐゴシック" pitchFamily="34" charset="-128"/>
-            </a:endParaRPr>
-          </a:p>
-          <a:p>
-            <a:pPr lvl="1"/>
-            <a:r>
-              <a:rPr lang="fr-CH" dirty="0" err="1" smtClean="0">
-                <a:ea typeface="ＭＳ Ｐゴシック" pitchFamily="34" charset="-128"/>
-              </a:rPr>
-              <a:t>Then</a:t>
-            </a:r>
-            <a:r>
               <a:rPr lang="fr-CH" dirty="0" smtClean="0">
                 <a:ea typeface="ＭＳ Ｐゴシック" pitchFamily="34" charset="-128"/>
               </a:rPr>
-              <a:t> </a:t>
-            </a:r>
-            <a:r>
-              <a:rPr lang="fr-CH" dirty="0">
+              <a:t>p and q be any two correct processes that deliver m and m’</a:t>
+            </a:r>
+          </a:p>
+          <a:p>
+            <a:pPr lvl="1"/>
+            <a:r>
+              <a:rPr lang="fr-CH" dirty="0" smtClean="0">
                 <a:ea typeface="ＭＳ Ｐゴシック" pitchFamily="34" charset="-128"/>
               </a:rPr>
-              <a:t>no correct </a:t>
-            </a:r>
-            <a:r>
-              <a:rPr lang="fr-CH" dirty="0" err="1">
-                <a:ea typeface="ＭＳ Ｐゴシック" pitchFamily="34" charset="-128"/>
-              </a:rPr>
-              <a:t>process</a:t>
-            </a:r>
-            <a:r>
-              <a:rPr lang="fr-CH" dirty="0">
-                <a:ea typeface="ＭＳ Ｐゴシック" pitchFamily="34" charset="-128"/>
-              </a:rPr>
-              <a:t> </a:t>
-            </a:r>
-            <a:r>
-              <a:rPr lang="fr-CH" dirty="0" err="1">
-                <a:ea typeface="ＭＳ Ｐゴシック" pitchFamily="34" charset="-128"/>
-              </a:rPr>
-              <a:t>delivers</a:t>
-            </a:r>
-            <a:r>
-              <a:rPr lang="fr-CH" dirty="0">
-                <a:ea typeface="ＭＳ Ｐゴシック" pitchFamily="34" charset="-128"/>
-              </a:rPr>
-              <a:t> m’ </a:t>
-            </a:r>
-            <a:r>
-              <a:rPr lang="fr-CH" dirty="0" err="1">
-                <a:ea typeface="ＭＳ Ｐゴシック" pitchFamily="34" charset="-128"/>
-              </a:rPr>
-              <a:t>before</a:t>
-            </a:r>
-            <a:r>
-              <a:rPr lang="fr-CH" dirty="0">
-                <a:ea typeface="ＭＳ Ｐゴシック" pitchFamily="34" charset="-128"/>
-              </a:rPr>
-              <a:t> m  </a:t>
+              <a:t>If p delivers m before m’, then q delivers m before m’</a:t>
             </a:r>
             <a:endParaRPr lang="fr-CH" dirty="0" smtClean="0">
               <a:ea typeface="ＭＳ Ｐゴシック" pitchFamily="34" charset="-128"/>
